--- a/[20150608][Edu]Android_Thread/20150609.pptx
+++ b/[20150608][Edu]Android_Thread/20150609.pptx
@@ -137,6 +137,11 @@
       </a:defRPr>
     </a:lvl9pPr>
   </p:defaultTextStyle>
+  <p:extLst>
+    <p:ext uri="{EFAFB233-063F-42B5-8137-9DF3F51BA10A}">
+      <p15:sldGuideLst xmlns:p15="http://schemas.microsoft.com/office/powerpoint/2012/main"/>
+    </p:ext>
+  </p:extLst>
 </p:presentation>
 </file>
 
@@ -271,7 +276,7 @@
           <a:p>
             <a:fld id="{36FCE797-5237-483B-86A2-546DC122C73C}" type="datetimeFigureOut">
               <a:rPr lang="ko-KR" altLang="en-US" smtClean="0"/>
-              <a:t>2015-06-09</a:t>
+              <a:t>2015-06-10</a:t>
             </a:fld>
             <a:endParaRPr lang="ko-KR" altLang="en-US"/>
           </a:p>
@@ -441,7 +446,7 @@
           <a:p>
             <a:fld id="{36FCE797-5237-483B-86A2-546DC122C73C}" type="datetimeFigureOut">
               <a:rPr lang="ko-KR" altLang="en-US" smtClean="0"/>
-              <a:t>2015-06-09</a:t>
+              <a:t>2015-06-10</a:t>
             </a:fld>
             <a:endParaRPr lang="ko-KR" altLang="en-US"/>
           </a:p>
@@ -621,7 +626,7 @@
           <a:p>
             <a:fld id="{36FCE797-5237-483B-86A2-546DC122C73C}" type="datetimeFigureOut">
               <a:rPr lang="ko-KR" altLang="en-US" smtClean="0"/>
-              <a:t>2015-06-09</a:t>
+              <a:t>2015-06-10</a:t>
             </a:fld>
             <a:endParaRPr lang="ko-KR" altLang="en-US"/>
           </a:p>
@@ -791,7 +796,7 @@
           <a:p>
             <a:fld id="{36FCE797-5237-483B-86A2-546DC122C73C}" type="datetimeFigureOut">
               <a:rPr lang="ko-KR" altLang="en-US" smtClean="0"/>
-              <a:t>2015-06-09</a:t>
+              <a:t>2015-06-10</a:t>
             </a:fld>
             <a:endParaRPr lang="ko-KR" altLang="en-US"/>
           </a:p>
@@ -1037,7 +1042,7 @@
           <a:p>
             <a:fld id="{36FCE797-5237-483B-86A2-546DC122C73C}" type="datetimeFigureOut">
               <a:rPr lang="ko-KR" altLang="en-US" smtClean="0"/>
-              <a:t>2015-06-09</a:t>
+              <a:t>2015-06-10</a:t>
             </a:fld>
             <a:endParaRPr lang="ko-KR" altLang="en-US"/>
           </a:p>
@@ -1269,7 +1274,7 @@
           <a:p>
             <a:fld id="{36FCE797-5237-483B-86A2-546DC122C73C}" type="datetimeFigureOut">
               <a:rPr lang="ko-KR" altLang="en-US" smtClean="0"/>
-              <a:t>2015-06-09</a:t>
+              <a:t>2015-06-10</a:t>
             </a:fld>
             <a:endParaRPr lang="ko-KR" altLang="en-US"/>
           </a:p>
@@ -1636,7 +1641,7 @@
           <a:p>
             <a:fld id="{36FCE797-5237-483B-86A2-546DC122C73C}" type="datetimeFigureOut">
               <a:rPr lang="ko-KR" altLang="en-US" smtClean="0"/>
-              <a:t>2015-06-09</a:t>
+              <a:t>2015-06-10</a:t>
             </a:fld>
             <a:endParaRPr lang="ko-KR" altLang="en-US"/>
           </a:p>
@@ -1754,7 +1759,7 @@
           <a:p>
             <a:fld id="{36FCE797-5237-483B-86A2-546DC122C73C}" type="datetimeFigureOut">
               <a:rPr lang="ko-KR" altLang="en-US" smtClean="0"/>
-              <a:t>2015-06-09</a:t>
+              <a:t>2015-06-10</a:t>
             </a:fld>
             <a:endParaRPr lang="ko-KR" altLang="en-US"/>
           </a:p>
@@ -1849,7 +1854,7 @@
           <a:p>
             <a:fld id="{36FCE797-5237-483B-86A2-546DC122C73C}" type="datetimeFigureOut">
               <a:rPr lang="ko-KR" altLang="en-US" smtClean="0"/>
-              <a:t>2015-06-09</a:t>
+              <a:t>2015-06-10</a:t>
             </a:fld>
             <a:endParaRPr lang="ko-KR" altLang="en-US"/>
           </a:p>
@@ -2126,7 +2131,7 @@
           <a:p>
             <a:fld id="{36FCE797-5237-483B-86A2-546DC122C73C}" type="datetimeFigureOut">
               <a:rPr lang="ko-KR" altLang="en-US" smtClean="0"/>
-              <a:t>2015-06-09</a:t>
+              <a:t>2015-06-10</a:t>
             </a:fld>
             <a:endParaRPr lang="ko-KR" altLang="en-US"/>
           </a:p>
@@ -2379,7 +2384,7 @@
           <a:p>
             <a:fld id="{36FCE797-5237-483B-86A2-546DC122C73C}" type="datetimeFigureOut">
               <a:rPr lang="ko-KR" altLang="en-US" smtClean="0"/>
-              <a:t>2015-06-09</a:t>
+              <a:t>2015-06-10</a:t>
             </a:fld>
             <a:endParaRPr lang="ko-KR" altLang="en-US"/>
           </a:p>
@@ -2592,7 +2597,7 @@
           <a:p>
             <a:fld id="{36FCE797-5237-483B-86A2-546DC122C73C}" type="datetimeFigureOut">
               <a:rPr lang="ko-KR" altLang="en-US" smtClean="0"/>
-              <a:t>2015-06-09</a:t>
+              <a:t>2015-06-10</a:t>
             </a:fld>
             <a:endParaRPr lang="ko-KR" altLang="en-US"/>
           </a:p>
@@ -15272,8 +15277,8 @@
         </p:nvCxnSpPr>
         <p:spPr>
           <a:xfrm flipV="1">
-            <a:off x="7891409" y="1476353"/>
-            <a:ext cx="4295829" cy="794840"/>
+            <a:off x="7891409" y="1623460"/>
+            <a:ext cx="1968779" cy="647733"/>
           </a:xfrm>
           <a:prstGeom prst="straightConnector1">
             <a:avLst/>
